--- a/lecture-slides/Lec4.pptx
+++ b/lecture-slides/Lec4.pptx
@@ -1030,7 +1030,7 @@
         <p:spPr>
           <a:xfrm>
             <a:off x="259644" y="259644"/>
-            <a:ext cx="12480997" cy="1169530"/>
+            <a:ext cx="12480996" cy="1169530"/>
           </a:xfrm>
           <a:prstGeom prst="rect">
             <a:avLst/>
@@ -1211,7 +1211,7 @@
         <p:spPr>
           <a:xfrm>
             <a:off x="6285653" y="8779792"/>
-            <a:ext cx="3034454" cy="520701"/>
+            <a:ext cx="3034455" cy="520701"/>
           </a:xfrm>
           <a:prstGeom prst="rect">
             <a:avLst/>
@@ -1320,7 +1320,7 @@
         <p:spPr>
           <a:xfrm>
             <a:off x="6285653" y="8779792"/>
-            <a:ext cx="3034454" cy="520701"/>
+            <a:ext cx="3034455" cy="520701"/>
           </a:xfrm>
           <a:prstGeom prst="rect">
             <a:avLst/>
@@ -3515,7 +3515,7 @@
         <p:spPr>
           <a:xfrm>
             <a:off x="1025501" y="1307080"/>
-            <a:ext cx="10607700" cy="7428404"/>
+            <a:ext cx="10607699" cy="7428404"/>
           </a:xfrm>
           <a:prstGeom prst="rect">
             <a:avLst/>
@@ -3625,7 +3625,7 @@
         <p:spPr>
           <a:xfrm>
             <a:off x="1079045" y="2204084"/>
-            <a:ext cx="9842956" cy="4850766"/>
+            <a:ext cx="9842955" cy="4850766"/>
           </a:xfrm>
           <a:prstGeom prst="rect">
             <a:avLst/>
@@ -3709,7 +3709,7 @@
         <p:spPr>
           <a:xfrm>
             <a:off x="6815666" y="7632700"/>
-            <a:ext cx="5435601" cy="1193801"/>
+            <a:ext cx="5435601" cy="1193800"/>
           </a:xfrm>
           <a:prstGeom prst="rect">
             <a:avLst/>
@@ -3873,8 +3873,8 @@
         </p:blipFill>
         <p:spPr>
           <a:xfrm>
-            <a:off x="1155700" y="2654299"/>
-            <a:ext cx="5715001" cy="4445001"/>
+            <a:off x="1155700" y="2654300"/>
+            <a:ext cx="5715000" cy="4445000"/>
           </a:xfrm>
           <a:prstGeom prst="rect">
             <a:avLst/>
@@ -3984,7 +3984,7 @@
         <p:spPr>
           <a:xfrm>
             <a:off x="187395" y="1855893"/>
-            <a:ext cx="12480997" cy="7215859"/>
+            <a:ext cx="12480996" cy="7215859"/>
           </a:xfrm>
           <a:prstGeom prst="rect">
             <a:avLst/>
@@ -4169,6 +4169,10 @@
           </p:nvPr>
         </p:nvSpPr>
         <p:spPr>
+          <a:xfrm>
+            <a:off x="952500" y="457200"/>
+            <a:ext cx="11099800" cy="2159000"/>
+          </a:xfrm>
           <a:prstGeom prst="rect">
             <a:avLst/>
           </a:prstGeom>
@@ -4293,7 +4297,7 @@
         <p:spPr>
           <a:xfrm>
             <a:off x="72248" y="1806222"/>
-            <a:ext cx="12359077" cy="7297138"/>
+            <a:ext cx="12359077" cy="7297139"/>
           </a:xfrm>
           <a:prstGeom prst="rect">
             <a:avLst/>
@@ -5283,7 +5287,7 @@
         <p:spPr>
           <a:xfrm>
             <a:off x="3510711" y="4552950"/>
-            <a:ext cx="5983378" cy="647700"/>
+            <a:ext cx="5983378" cy="647701"/>
           </a:xfrm>
           <a:prstGeom prst="rect">
             <a:avLst/>
@@ -5346,8 +5350,8 @@
         </p:nvSpPr>
         <p:spPr>
           <a:xfrm>
-            <a:off x="1392766" y="1733549"/>
-            <a:ext cx="11099801" cy="6286501"/>
+            <a:off x="1392766" y="1733550"/>
+            <a:ext cx="11099801" cy="6286500"/>
           </a:xfrm>
           <a:prstGeom prst="rect">
             <a:avLst/>
@@ -5490,7 +5494,7 @@
         <p:spPr>
           <a:xfrm>
             <a:off x="205457" y="1837831"/>
-            <a:ext cx="12480997" cy="7215858"/>
+            <a:ext cx="12480997" cy="7215859"/>
           </a:xfrm>
           <a:prstGeom prst="rect">
             <a:avLst/>
@@ -5593,8 +5597,8 @@
         </p:nvSpPr>
         <p:spPr>
           <a:xfrm>
-            <a:off x="952499" y="-12700"/>
-            <a:ext cx="11099801" cy="2159000"/>
+            <a:off x="952500" y="-12700"/>
+            <a:ext cx="11099800" cy="2159000"/>
           </a:xfrm>
           <a:prstGeom prst="rect">
             <a:avLst/>
@@ -5840,7 +5844,7 @@
         <p:spPr>
           <a:xfrm>
             <a:off x="187395" y="1837831"/>
-            <a:ext cx="12480997" cy="7215858"/>
+            <a:ext cx="12480996" cy="7215859"/>
           </a:xfrm>
           <a:prstGeom prst="rect">
             <a:avLst/>
@@ -6026,8 +6030,8 @@
         </p:blipFill>
         <p:spPr>
           <a:xfrm>
-            <a:off x="2927350" y="2571749"/>
-            <a:ext cx="7150101" cy="6362701"/>
+            <a:off x="2927350" y="2571750"/>
+            <a:ext cx="7150100" cy="6362700"/>
           </a:xfrm>
           <a:prstGeom prst="rect">
             <a:avLst/>
@@ -6236,7 +6240,7 @@
 </file>
 
 <file path=ppt/slides/slide35.xml><?xml version="1.0" encoding="utf-8"?>
-<p:sld xmlns:a="http://schemas.openxmlformats.org/drawingml/2006/main" xmlns:r="http://schemas.openxmlformats.org/officeDocument/2006/relationships" xmlns:p="http://schemas.openxmlformats.org/presentationml/2006/main" showMasterSp="1" showMasterPhAnim="1">
+<p:sld xmlns:a="http://schemas.openxmlformats.org/drawingml/2006/main" xmlns:r="http://schemas.openxmlformats.org/officeDocument/2006/relationships" xmlns:p="http://schemas.openxmlformats.org/presentationml/2006/main" show="0" showMasterSp="1" showMasterPhAnim="1">
   <p:cSld>
     <p:spTree>
       <p:nvGrpSpPr>
@@ -6671,7 +6675,7 @@
         <p:spPr>
           <a:xfrm>
             <a:off x="5369983" y="3321050"/>
-            <a:ext cx="6057901" cy="4864101"/>
+            <a:ext cx="6057901" cy="4864100"/>
           </a:xfrm>
           <a:prstGeom prst="rect">
             <a:avLst/>
@@ -6809,8 +6813,8 @@
         </p:blipFill>
         <p:spPr>
           <a:xfrm>
-            <a:off x="7397750" y="8775699"/>
-            <a:ext cx="5473700" cy="990601"/>
+            <a:off x="7397750" y="8775700"/>
+            <a:ext cx="5473700" cy="990600"/>
           </a:xfrm>
           <a:prstGeom prst="rect">
             <a:avLst/>
@@ -6942,8 +6946,8 @@
         </p:nvSpPr>
         <p:spPr>
           <a:xfrm>
-            <a:off x="81280" y="273190"/>
-            <a:ext cx="12275538" cy="663788"/>
+            <a:off x="81280" y="273191"/>
+            <a:ext cx="12275538" cy="663787"/>
           </a:xfrm>
           <a:prstGeom prst="rect">
             <a:avLst/>
@@ -7225,7 +7229,7 @@
         </p:nvSpPr>
         <p:spPr>
           <a:xfrm>
-            <a:off x="79022" y="259644"/>
+            <a:off x="97084" y="259644"/>
             <a:ext cx="12480996" cy="1169530"/>
           </a:xfrm>
           <a:prstGeom prst="rect">
@@ -7253,7 +7257,7 @@
           <a:p>
             <a:pPr/>
             <a:r>
-              <a:t>Energy Stored in Glucose Is Transferred to ATP</a:t>
+              <a:t>Energy Stored in Glucose Is Used to Make ATP</a:t>
             </a:r>
           </a:p>
         </p:txBody>
@@ -7268,8 +7272,8 @@
         </p:nvSpPr>
         <p:spPr>
           <a:xfrm>
-            <a:off x="205458" y="1855893"/>
-            <a:ext cx="12528409" cy="7522916"/>
+            <a:off x="205457" y="1819768"/>
+            <a:ext cx="12480997" cy="7197797"/>
           </a:xfrm>
           <a:prstGeom prst="rect">
             <a:avLst/>
@@ -7280,9 +7284,6 @@
           <a:lstStyle/>
           <a:p>
             <a:pPr marL="396421" indent="-396421" defTabSz="1300480">
-              <a:lnSpc>
-                <a:spcPct val="90000"/>
-              </a:lnSpc>
               <a:spcBef>
                 <a:spcPts val="700"/>
               </a:spcBef>
@@ -7300,14 +7301,11 @@
               </a:defRPr>
             </a:pPr>
             <a:r>
-              <a:t>When a cell needs energy, carbohydrates participate in </a:t>
+              <a:t>When a cell needs energy </a:t>
             </a:r>
           </a:p>
           <a:p>
             <a:pPr lvl="1" marL="836246" indent="-404446" defTabSz="1300480">
-              <a:lnSpc>
-                <a:spcPct val="90000"/>
-              </a:lnSpc>
               <a:spcBef>
                 <a:spcPts val="600"/>
               </a:spcBef>
@@ -7324,38 +7322,19 @@
               </a:defRPr>
             </a:pPr>
             <a:r>
-              <a:t>Exergonic reactions that synthesize </a:t>
-            </a:r>
-            <a:r>
-              <a:rPr b="1"/>
-              <a:t>adenosine triphosphate </a:t>
-            </a:r>
-            <a:r>
-              <a:t>(</a:t>
-            </a:r>
-            <a:r>
-              <a:rPr b="1"/>
-              <a:t>ATP</a:t>
-            </a:r>
-            <a:r>
-              <a:t>): </a:t>
-            </a:r>
-            <a:endParaRPr sz="1400"/>
-          </a:p>
-          <a:p>
-            <a:pPr marL="415431" indent="-415431" algn="ctr" defTabSz="1300480">
-              <a:lnSpc>
-                <a:spcPct val="110000"/>
-              </a:lnSpc>
+              <a:t>Reactions lead to the breakdown of the glucose </a:t>
+            </a:r>
+          </a:p>
+          <a:p>
+            <a:pPr lvl="1" marL="836246" indent="-404446" defTabSz="1300480">
               <a:spcBef>
-                <a:spcPts val="700"/>
+                <a:spcPts val="600"/>
               </a:spcBef>
               <a:buClr>
                 <a:srgbClr val="9D002D"/>
               </a:buClr>
-              <a:buSzTx/>
-              <a:buFont typeface="Wingdings"/>
-              <a:buNone/>
+              <a:buSzPct val="100000"/>
+              <a:buChar char="–"/>
               <a:defRPr>
                 <a:latin typeface="Arial"/>
                 <a:ea typeface="Arial"/>
@@ -7364,66 +7343,30 @@
               </a:defRPr>
             </a:pPr>
             <a:r>
-              <a:t>CH</a:t>
-            </a:r>
-            <a:r>
-              <a:rPr baseline="-19722"/>
-              <a:t>2</a:t>
-            </a:r>
-            <a:r>
-              <a:t>O + O</a:t>
-            </a:r>
-            <a:r>
-              <a:rPr baseline="-19722"/>
-              <a:t>2</a:t>
-            </a:r>
-            <a:r>
-              <a:t> + ADP + P</a:t>
-            </a:r>
-            <a:r>
-              <a:rPr baseline="-19722"/>
-              <a:t>i</a:t>
-            </a:r>
-            <a:r>
-              <a:t> </a:t>
-            </a:r>
-            <a:r>
-              <a:rPr>
-                <a:latin typeface="Symbol"/>
-                <a:ea typeface="Symbol"/>
-                <a:cs typeface="Symbol"/>
-                <a:sym typeface="Symbol"/>
-              </a:rPr>
-              <a:t>→</a:t>
-            </a:r>
-            <a:r>
-              <a:t> CO</a:t>
-            </a:r>
-            <a:r>
-              <a:rPr baseline="-19722"/>
-              <a:t>2</a:t>
-            </a:r>
-            <a:r>
-              <a:t> + H</a:t>
-            </a:r>
-            <a:r>
-              <a:rPr baseline="-19722"/>
-              <a:t>2</a:t>
-            </a:r>
-            <a:r>
-              <a:t>O + ATP</a:t>
-            </a:r>
-            <a:r>
-              <a:rPr sz="3800"/>
-              <a:t> </a:t>
-            </a:r>
-            <a:endParaRPr sz="1400"/>
+              <a:t>They also capture released energy through synthesis of the nucleotide adenosine triphosphate (ATP)</a:t>
+            </a:r>
+          </a:p>
+          <a:p>
+            <a:pPr marL="375557" indent="-375557" defTabSz="1300480">
+              <a:spcBef>
+                <a:spcPts val="700"/>
+              </a:spcBef>
+              <a:buClr>
+                <a:srgbClr val="9D002D"/>
+              </a:buClr>
+              <a:buSzPct val="100000"/>
+              <a:buFont typeface="Wingdings"/>
+              <a:buChar char="▪"/>
+              <a:defRPr sz="900">
+                <a:latin typeface="Arial"/>
+                <a:ea typeface="Arial"/>
+                <a:cs typeface="Arial"/>
+                <a:sym typeface="Arial"/>
+              </a:defRPr>
+            </a:pPr>
           </a:p>
           <a:p>
             <a:pPr marL="396421" indent="-396421" defTabSz="1300480">
-              <a:lnSpc>
-                <a:spcPct val="90000"/>
-              </a:lnSpc>
               <a:spcBef>
                 <a:spcPts val="700"/>
               </a:spcBef>
@@ -7441,15 +7384,31 @@
               </a:defRPr>
             </a:pPr>
             <a:r>
-              <a:t>The free energy in ATP is used to drive endergonic reactions and perform cell work</a:t>
-            </a:r>
-            <a:endParaRPr sz="1100"/>
+              <a:t>The chemical energy stored in the C–H and C–C bonds of carbohydrate is transferred to a new bond linking a third phosphate group to ADP to form ATP</a:t>
+            </a:r>
+            <a:endParaRPr sz="3400"/>
+          </a:p>
+          <a:p>
+            <a:pPr marL="375557" indent="-375557" defTabSz="1300480">
+              <a:spcBef>
+                <a:spcPts val="700"/>
+              </a:spcBef>
+              <a:buClr>
+                <a:srgbClr val="9D002D"/>
+              </a:buClr>
+              <a:buSzPct val="100000"/>
+              <a:buFont typeface="Wingdings"/>
+              <a:buChar char="▪"/>
+              <a:defRPr sz="900">
+                <a:latin typeface="Arial"/>
+                <a:ea typeface="Arial"/>
+                <a:cs typeface="Arial"/>
+                <a:sym typeface="Arial"/>
+              </a:defRPr>
+            </a:pPr>
           </a:p>
           <a:p>
             <a:pPr marL="396421" indent="-396421" defTabSz="1300480">
-              <a:lnSpc>
-                <a:spcPct val="90000"/>
-              </a:lnSpc>
               <a:spcBef>
                 <a:spcPts val="700"/>
               </a:spcBef>
@@ -7467,39 +7426,11 @@
               </a:defRPr>
             </a:pPr>
             <a:r>
-              <a:t>Carbohydrates contain a large number of C–H bonds</a:t>
-            </a:r>
-          </a:p>
-          <a:p>
-            <a:pPr lvl="1" marL="836246" indent="-404446" defTabSz="1300480">
-              <a:lnSpc>
-                <a:spcPct val="90000"/>
-              </a:lnSpc>
-              <a:spcBef>
-                <a:spcPts val="600"/>
-              </a:spcBef>
-              <a:buClr>
-                <a:srgbClr val="9D002D"/>
-              </a:buClr>
-              <a:buSzPct val="100000"/>
-              <a:buChar char="–"/>
-              <a:defRPr>
-                <a:latin typeface="Arial"/>
-                <a:ea typeface="Arial"/>
-                <a:cs typeface="Arial"/>
-                <a:sym typeface="Arial"/>
-              </a:defRPr>
-            </a:pPr>
-            <a:r>
-              <a:t>These bonds have high free energy </a:t>
-            </a:r>
-            <a:endParaRPr sz="1100"/>
+              <a:t>Carbohydrates store chemical energy </a:t>
+            </a:r>
           </a:p>
           <a:p>
             <a:pPr marL="396421" indent="-396421" defTabSz="1300480">
-              <a:lnSpc>
-                <a:spcPct val="90000"/>
-              </a:lnSpc>
               <a:spcBef>
                 <a:spcPts val="700"/>
               </a:spcBef>
@@ -7517,31 +7448,7 @@
               </a:defRPr>
             </a:pPr>
             <a:r>
-              <a:t>Fatty acids have even more C–H bonds </a:t>
-            </a:r>
-          </a:p>
-          <a:p>
-            <a:pPr lvl="1" marL="836246" indent="-404446" defTabSz="1300480">
-              <a:lnSpc>
-                <a:spcPct val="90000"/>
-              </a:lnSpc>
-              <a:spcBef>
-                <a:spcPts val="600"/>
-              </a:spcBef>
-              <a:buClr>
-                <a:srgbClr val="9D002D"/>
-              </a:buClr>
-              <a:buSzPct val="100000"/>
-              <a:buChar char="–"/>
-              <a:defRPr>
-                <a:latin typeface="Arial"/>
-                <a:ea typeface="Arial"/>
-                <a:cs typeface="Arial"/>
-                <a:sym typeface="Arial"/>
-              </a:defRPr>
-            </a:pPr>
-            <a:r>
-              <a:t>They have more free energy than carbohydrates</a:t>
+              <a:t>ATP makes chemical energy useful to the cell</a:t>
             </a:r>
           </a:p>
         </p:txBody>
@@ -7591,7 +7498,7 @@
 </file>
 
 <file path=ppt/slides/slide42.xml><?xml version="1.0" encoding="utf-8"?>
-<p:sld xmlns:a="http://schemas.openxmlformats.org/drawingml/2006/main" xmlns:r="http://schemas.openxmlformats.org/officeDocument/2006/relationships" xmlns:p="http://schemas.openxmlformats.org/presentationml/2006/main" showMasterSp="1" showMasterPhAnim="1">
+<p:sld xmlns:a="http://schemas.openxmlformats.org/drawingml/2006/main" xmlns:r="http://schemas.openxmlformats.org/officeDocument/2006/relationships" xmlns:p="http://schemas.openxmlformats.org/presentationml/2006/main" show="0" showMasterSp="1" showMasterPhAnim="1">
   <p:cSld>
     <p:spTree>
       <p:nvGrpSpPr>
@@ -7645,7 +7552,7 @@
           <a:p>
             <a:pPr/>
             <a:r>
-              <a:t>How Do Carbohydrates Store Energy? </a:t>
+              <a:t>Energy Stored in Glucose Is Transferred to ATP</a:t>
             </a:r>
           </a:p>
         </p:txBody>
@@ -7660,8 +7567,8 @@
         </p:nvSpPr>
         <p:spPr>
           <a:xfrm>
-            <a:off x="205457" y="1801706"/>
-            <a:ext cx="12480997" cy="7215859"/>
+            <a:off x="205458" y="1855893"/>
+            <a:ext cx="12528409" cy="7522917"/>
           </a:xfrm>
           <a:prstGeom prst="rect">
             <a:avLst/>
@@ -7672,71 +7579,9 @@
           <a:lstStyle/>
           <a:p>
             <a:pPr marL="396421" indent="-396421" defTabSz="1300480">
-              <a:spcBef>
-                <a:spcPts val="800"/>
-              </a:spcBef>
-              <a:buClr>
-                <a:srgbClr val="9D002D"/>
-              </a:buClr>
-              <a:buSzPct val="100000"/>
-              <a:buFont typeface="Wingdings"/>
-              <a:buChar char="▪"/>
-              <a:defRPr sz="3800">
-                <a:latin typeface="Arial"/>
-                <a:ea typeface="Arial"/>
-                <a:cs typeface="Arial"/>
-                <a:sym typeface="Arial"/>
-              </a:defRPr>
-            </a:pPr>
-            <a:r>
-              <a:t>Starch and glycogen are efficient energy-storage molecules</a:t>
-            </a:r>
-            <a:r>
-              <a:rPr sz="4400"/>
-              <a:t> </a:t>
-            </a:r>
-            <a:endParaRPr sz="4400"/>
-          </a:p>
-          <a:p>
-            <a:pPr lvl="1" marL="836246" indent="-404446" defTabSz="1300480">
-              <a:spcBef>
-                <a:spcPts val="800"/>
-              </a:spcBef>
-              <a:buClr>
-                <a:srgbClr val="9D002D"/>
-              </a:buClr>
-              <a:buSzPct val="100000"/>
-              <a:buChar char="–"/>
-              <a:defRPr>
-                <a:latin typeface="Arial"/>
-                <a:ea typeface="Arial"/>
-                <a:cs typeface="Arial"/>
-                <a:sym typeface="Arial"/>
-              </a:defRPr>
-            </a:pPr>
-            <a:r>
-              <a:t>The </a:t>
-            </a:r>
-            <a:r>
-              <a:rPr sz="3400">
-                <a:latin typeface="Lucida Grande"/>
-                <a:ea typeface="Lucida Grande"/>
-                <a:cs typeface="Lucida Grande"/>
-                <a:sym typeface="Lucida Grande"/>
-              </a:rPr>
-              <a:t>α</a:t>
-            </a:r>
-            <a:r>
-              <a:t>-linkages are readily hydrolyzed</a:t>
-            </a:r>
-            <a:r>
-              <a:rPr sz="4400"/>
-              <a:t> </a:t>
-            </a:r>
-            <a:endParaRPr sz="4400"/>
-          </a:p>
-          <a:p>
-            <a:pPr marL="396421" indent="-396421" defTabSz="1300480">
+              <a:lnSpc>
+                <a:spcPct val="90000"/>
+              </a:lnSpc>
               <a:spcBef>
                 <a:spcPts val="700"/>
               </a:spcBef>
@@ -7754,23 +7599,130 @@
               </a:defRPr>
             </a:pPr>
             <a:r>
-              <a:t>The </a:t>
-            </a:r>
-            <a:r>
-              <a:rPr sz="3600">
-                <a:latin typeface="Lucida Grande"/>
-                <a:ea typeface="Lucida Grande"/>
-                <a:cs typeface="Lucida Grande"/>
-                <a:sym typeface="Lucida Grande"/>
+              <a:t>When a cell needs energy, carbohydrates participate in </a:t>
+            </a:r>
+          </a:p>
+          <a:p>
+            <a:pPr lvl="1" marL="836246" indent="-404446" defTabSz="1300480">
+              <a:lnSpc>
+                <a:spcPct val="90000"/>
+              </a:lnSpc>
+              <a:spcBef>
+                <a:spcPts val="600"/>
+              </a:spcBef>
+              <a:buClr>
+                <a:srgbClr val="9D002D"/>
+              </a:buClr>
+              <a:buSzPct val="100000"/>
+              <a:buChar char="–"/>
+              <a:defRPr>
+                <a:latin typeface="Arial"/>
+                <a:ea typeface="Arial"/>
+                <a:cs typeface="Arial"/>
+                <a:sym typeface="Arial"/>
+              </a:defRPr>
+            </a:pPr>
+            <a:r>
+              <a:t>Exergonic reactions that synthesize </a:t>
+            </a:r>
+            <a:r>
+              <a:rPr b="1"/>
+              <a:t>adenosine triphosphate </a:t>
+            </a:r>
+            <a:r>
+              <a:t>(</a:t>
+            </a:r>
+            <a:r>
+              <a:rPr b="1"/>
+              <a:t>ATP</a:t>
+            </a:r>
+            <a:r>
+              <a:t>): </a:t>
+            </a:r>
+            <a:endParaRPr sz="1400"/>
+          </a:p>
+          <a:p>
+            <a:pPr marL="415431" indent="-415431" algn="ctr" defTabSz="1300480">
+              <a:lnSpc>
+                <a:spcPct val="110000"/>
+              </a:lnSpc>
+              <a:spcBef>
+                <a:spcPts val="700"/>
+              </a:spcBef>
+              <a:buClr>
+                <a:srgbClr val="9D002D"/>
+              </a:buClr>
+              <a:buSzTx/>
+              <a:buFont typeface="Wingdings"/>
+              <a:buNone/>
+              <a:defRPr>
+                <a:latin typeface="Arial"/>
+                <a:ea typeface="Arial"/>
+                <a:cs typeface="Arial"/>
+                <a:sym typeface="Arial"/>
+              </a:defRPr>
+            </a:pPr>
+            <a:r>
+              <a:t>CH</a:t>
+            </a:r>
+            <a:r>
+              <a:rPr baseline="-19722"/>
+              <a:t>2</a:t>
+            </a:r>
+            <a:r>
+              <a:t>O + O</a:t>
+            </a:r>
+            <a:r>
+              <a:rPr baseline="-19722"/>
+              <a:t>2</a:t>
+            </a:r>
+            <a:r>
+              <a:t> + ADP + P</a:t>
+            </a:r>
+            <a:r>
+              <a:rPr baseline="-19722"/>
+              <a:t>i</a:t>
+            </a:r>
+            <a:r>
+              <a:t> </a:t>
+            </a:r>
+            <a:r>
+              <a:rPr>
+                <a:latin typeface="Symbol"/>
+                <a:ea typeface="Symbol"/>
+                <a:cs typeface="Symbol"/>
+                <a:sym typeface="Symbol"/>
               </a:rPr>
-              <a:t>β</a:t>
-            </a:r>
-            <a:r>
-              <a:t>-linkages of structural carbohydrates resist enzymatic degradation </a:t>
-            </a:r>
+              <a:t>→</a:t>
+            </a:r>
+            <a:r>
+              <a:t> CO</a:t>
+            </a:r>
+            <a:r>
+              <a:rPr baseline="-19722"/>
+              <a:t>2</a:t>
+            </a:r>
+            <a:r>
+              <a:t> + H</a:t>
+            </a:r>
+            <a:r>
+              <a:rPr baseline="-19722"/>
+              <a:t>2</a:t>
+            </a:r>
+            <a:r>
+              <a:t>O + ATP</a:t>
+            </a:r>
+            <a:r>
+              <a:rPr sz="3800"/>
+              <a:t> </a:t>
+            </a:r>
+            <a:endParaRPr sz="1400"/>
           </a:p>
           <a:p>
             <a:pPr marL="396421" indent="-396421" defTabSz="1300480">
+              <a:lnSpc>
+                <a:spcPct val="90000"/>
+              </a:lnSpc>
               <a:spcBef>
                 <a:spcPts val="700"/>
               </a:spcBef>
@@ -7788,20 +7740,107 @@
               </a:defRPr>
             </a:pPr>
             <a:r>
-              <a:t>The enzyme amylase catalyzes hydrolysis of </a:t>
-            </a:r>
-            <a:br/>
-            <a:r>
-              <a:rPr sz="3600">
-                <a:latin typeface="Lucida Grande"/>
-                <a:ea typeface="Lucida Grande"/>
-                <a:cs typeface="Lucida Grande"/>
-                <a:sym typeface="Lucida Grande"/>
-              </a:rPr>
-              <a:t>α</a:t>
-            </a:r>
-            <a:r>
-              <a:t>-glycosidic linkages in glycogen </a:t>
+              <a:t>The free energy in ATP is used to drive endergonic reactions and perform cell work</a:t>
+            </a:r>
+            <a:endParaRPr sz="1100"/>
+          </a:p>
+          <a:p>
+            <a:pPr marL="396421" indent="-396421" defTabSz="1300480">
+              <a:lnSpc>
+                <a:spcPct val="90000"/>
+              </a:lnSpc>
+              <a:spcBef>
+                <a:spcPts val="700"/>
+              </a:spcBef>
+              <a:buClr>
+                <a:srgbClr val="9D002D"/>
+              </a:buClr>
+              <a:buSzPct val="100000"/>
+              <a:buFont typeface="Wingdings"/>
+              <a:buChar char="▪"/>
+              <a:defRPr sz="3800">
+                <a:latin typeface="Arial"/>
+                <a:ea typeface="Arial"/>
+                <a:cs typeface="Arial"/>
+                <a:sym typeface="Arial"/>
+              </a:defRPr>
+            </a:pPr>
+            <a:r>
+              <a:t>Carbohydrates contain a large number of C–H bonds</a:t>
+            </a:r>
+          </a:p>
+          <a:p>
+            <a:pPr lvl="1" marL="836246" indent="-404446" defTabSz="1300480">
+              <a:lnSpc>
+                <a:spcPct val="90000"/>
+              </a:lnSpc>
+              <a:spcBef>
+                <a:spcPts val="600"/>
+              </a:spcBef>
+              <a:buClr>
+                <a:srgbClr val="9D002D"/>
+              </a:buClr>
+              <a:buSzPct val="100000"/>
+              <a:buChar char="–"/>
+              <a:defRPr>
+                <a:latin typeface="Arial"/>
+                <a:ea typeface="Arial"/>
+                <a:cs typeface="Arial"/>
+                <a:sym typeface="Arial"/>
+              </a:defRPr>
+            </a:pPr>
+            <a:r>
+              <a:t>These bonds have high free energy </a:t>
+            </a:r>
+            <a:endParaRPr sz="1100"/>
+          </a:p>
+          <a:p>
+            <a:pPr marL="396421" indent="-396421" defTabSz="1300480">
+              <a:lnSpc>
+                <a:spcPct val="90000"/>
+              </a:lnSpc>
+              <a:spcBef>
+                <a:spcPts val="700"/>
+              </a:spcBef>
+              <a:buClr>
+                <a:srgbClr val="9D002D"/>
+              </a:buClr>
+              <a:buSzPct val="100000"/>
+              <a:buFont typeface="Wingdings"/>
+              <a:buChar char="▪"/>
+              <a:defRPr sz="3800">
+                <a:latin typeface="Arial"/>
+                <a:ea typeface="Arial"/>
+                <a:cs typeface="Arial"/>
+                <a:sym typeface="Arial"/>
+              </a:defRPr>
+            </a:pPr>
+            <a:r>
+              <a:t>Fatty acids have even more C–H bonds </a:t>
+            </a:r>
+          </a:p>
+          <a:p>
+            <a:pPr lvl="1" marL="836246" indent="-404446" defTabSz="1300480">
+              <a:lnSpc>
+                <a:spcPct val="90000"/>
+              </a:lnSpc>
+              <a:spcBef>
+                <a:spcPts val="600"/>
+              </a:spcBef>
+              <a:buClr>
+                <a:srgbClr val="9D002D"/>
+              </a:buClr>
+              <a:buSzPct val="100000"/>
+              <a:buChar char="–"/>
+              <a:defRPr>
+                <a:latin typeface="Arial"/>
+                <a:ea typeface="Arial"/>
+                <a:cs typeface="Arial"/>
+                <a:sym typeface="Arial"/>
+              </a:defRPr>
+            </a:pPr>
+            <a:r>
+              <a:t>They have more free energy than carbohydrates</a:t>
             </a:r>
           </a:p>
         </p:txBody>
@@ -7851,7 +7890,7 @@
 </file>
 
 <file path=ppt/slides/slide43.xml><?xml version="1.0" encoding="utf-8"?>
-<p:sld xmlns:a="http://schemas.openxmlformats.org/drawingml/2006/main" xmlns:r="http://schemas.openxmlformats.org/officeDocument/2006/relationships" xmlns:p="http://schemas.openxmlformats.org/presentationml/2006/main" showMasterSp="1" showMasterPhAnim="1">
+<p:sld xmlns:a="http://schemas.openxmlformats.org/drawingml/2006/main" xmlns:r="http://schemas.openxmlformats.org/officeDocument/2006/relationships" xmlns:p="http://schemas.openxmlformats.org/presentationml/2006/main" show="0" showMasterSp="1" showMasterPhAnim="1">
   <p:cSld>
     <p:spTree>
       <p:nvGrpSpPr>
@@ -7933,7 +7972,7 @@
           <a:p>
             <a:pPr marL="396421" indent="-396421" defTabSz="1300480">
               <a:spcBef>
-                <a:spcPts val="700"/>
+                <a:spcPts val="800"/>
               </a:spcBef>
               <a:buClr>
                 <a:srgbClr val="9D002D"/>
@@ -7949,11 +7988,36 @@
               </a:defRPr>
             </a:pPr>
             <a:r>
-              <a:t>The enzyme phosphorylase catalyzes hydrolysis of </a:t>
-            </a:r>
-            <a:br/>
-            <a:r>
-              <a:rPr sz="3600">
+              <a:t>Starch and glycogen are efficient energy-storage molecules</a:t>
+            </a:r>
+            <a:r>
+              <a:rPr sz="4400"/>
+              <a:t> </a:t>
+            </a:r>
+            <a:endParaRPr sz="4400"/>
+          </a:p>
+          <a:p>
+            <a:pPr lvl="1" marL="836246" indent="-404446" defTabSz="1300480">
+              <a:spcBef>
+                <a:spcPts val="800"/>
+              </a:spcBef>
+              <a:buClr>
+                <a:srgbClr val="9D002D"/>
+              </a:buClr>
+              <a:buSzPct val="100000"/>
+              <a:buChar char="–"/>
+              <a:defRPr>
+                <a:latin typeface="Arial"/>
+                <a:ea typeface="Arial"/>
+                <a:cs typeface="Arial"/>
+                <a:sym typeface="Arial"/>
+              </a:defRPr>
+            </a:pPr>
+            <a:r>
+              <a:t>The </a:t>
+            </a:r>
+            <a:r>
+              <a:rPr sz="3400">
                 <a:latin typeface="Lucida Grande"/>
                 <a:ea typeface="Lucida Grande"/>
                 <a:cs typeface="Lucida Grande"/>
@@ -7962,44 +8026,13 @@
               <a:t>α</a:t>
             </a:r>
             <a:r>
-              <a:t>-glycosidic linkages in starch</a:t>
-            </a:r>
-          </a:p>
-          <a:p>
-            <a:pPr lvl="1" marL="845608" indent="-413808" defTabSz="1300480">
-              <a:spcBef>
-                <a:spcPts val="600"/>
-              </a:spcBef>
-              <a:buClr>
-                <a:srgbClr val="9D002D"/>
-              </a:buClr>
-              <a:buSzPct val="100000"/>
-              <a:buChar char="–"/>
-              <a:defRPr sz="3400">
-                <a:latin typeface="Lucida Grande"/>
-                <a:ea typeface="Lucida Grande"/>
-                <a:cs typeface="Lucida Grande"/>
-                <a:sym typeface="Lucida Grande"/>
-              </a:defRPr>
-            </a:pPr>
-            <a:r>
-              <a:t>α</a:t>
-            </a:r>
-            <a:r>
-              <a:rPr sz="3600">
-                <a:latin typeface="Arial"/>
-                <a:ea typeface="Arial"/>
-                <a:cs typeface="Arial"/>
-                <a:sym typeface="Arial"/>
-              </a:rPr>
-              <a:t>-glycosidic linkages in glycogen and starch, respectively</a:t>
-            </a:r>
-            <a:endParaRPr sz="3600">
-              <a:latin typeface="Arial"/>
-              <a:ea typeface="Arial"/>
-              <a:cs typeface="Arial"/>
-              <a:sym typeface="Arial"/>
-            </a:endParaRPr>
+              <a:t>-linkages are readily hydrolyzed</a:t>
+            </a:r>
+            <a:r>
+              <a:rPr sz="4400"/>
+              <a:t> </a:t>
+            </a:r>
+            <a:endParaRPr sz="4400"/>
           </a:p>
           <a:p>
             <a:pPr marL="396421" indent="-396421" defTabSz="1300480">
@@ -8020,7 +8053,54 @@
               </a:defRPr>
             </a:pPr>
             <a:r>
-              <a:t>The released glucose subunits can then be used in the production of ATP</a:t>
+              <a:t>The </a:t>
+            </a:r>
+            <a:r>
+              <a:rPr sz="3600">
+                <a:latin typeface="Lucida Grande"/>
+                <a:ea typeface="Lucida Grande"/>
+                <a:cs typeface="Lucida Grande"/>
+                <a:sym typeface="Lucida Grande"/>
+              </a:rPr>
+              <a:t>β</a:t>
+            </a:r>
+            <a:r>
+              <a:t>-linkages of structural carbohydrates resist enzymatic degradation </a:t>
+            </a:r>
+          </a:p>
+          <a:p>
+            <a:pPr marL="396421" indent="-396421" defTabSz="1300480">
+              <a:spcBef>
+                <a:spcPts val="700"/>
+              </a:spcBef>
+              <a:buClr>
+                <a:srgbClr val="9D002D"/>
+              </a:buClr>
+              <a:buSzPct val="100000"/>
+              <a:buFont typeface="Wingdings"/>
+              <a:buChar char="▪"/>
+              <a:defRPr sz="3800">
+                <a:latin typeface="Arial"/>
+                <a:ea typeface="Arial"/>
+                <a:cs typeface="Arial"/>
+                <a:sym typeface="Arial"/>
+              </a:defRPr>
+            </a:pPr>
+            <a:r>
+              <a:t>The enzyme amylase catalyzes hydrolysis of </a:t>
+            </a:r>
+            <a:br/>
+            <a:r>
+              <a:rPr sz="3600">
+                <a:latin typeface="Lucida Grande"/>
+                <a:ea typeface="Lucida Grande"/>
+                <a:cs typeface="Lucida Grande"/>
+                <a:sym typeface="Lucida Grande"/>
+              </a:rPr>
+              <a:t>α</a:t>
+            </a:r>
+            <a:r>
+              <a:t>-glycosidic linkages in glycogen </a:t>
             </a:r>
           </a:p>
         </p:txBody>
@@ -8070,7 +8150,7 @@
 </file>
 
 <file path=ppt/slides/slide44.xml><?xml version="1.0" encoding="utf-8"?>
-<p:sld xmlns:a="http://schemas.openxmlformats.org/drawingml/2006/main" xmlns:r="http://schemas.openxmlformats.org/officeDocument/2006/relationships" xmlns:p="http://schemas.openxmlformats.org/presentationml/2006/main" showMasterSp="1" showMasterPhAnim="1">
+<p:sld xmlns:a="http://schemas.openxmlformats.org/drawingml/2006/main" xmlns:r="http://schemas.openxmlformats.org/officeDocument/2006/relationships" xmlns:p="http://schemas.openxmlformats.org/presentationml/2006/main" show="0" showMasterSp="1" showMasterPhAnim="1">
   <p:cSld>
     <p:spTree>
       <p:nvGrpSpPr>
@@ -8096,8 +8176,8 @@
         </p:nvSpPr>
         <p:spPr>
           <a:xfrm>
-            <a:off x="97084" y="259644"/>
-            <a:ext cx="12480997" cy="1169530"/>
+            <a:off x="79022" y="259644"/>
+            <a:ext cx="12480996" cy="1169530"/>
           </a:xfrm>
           <a:prstGeom prst="rect">
             <a:avLst/>
@@ -8124,7 +8204,7 @@
           <a:p>
             <a:pPr/>
             <a:r>
-              <a:t>Energy Stored in Glucose Is Used to Make ATP</a:t>
+              <a:t>How Do Carbohydrates Store Energy? </a:t>
             </a:r>
           </a:p>
         </p:txBody>
@@ -8139,8 +8219,8 @@
         </p:nvSpPr>
         <p:spPr>
           <a:xfrm>
-            <a:off x="205457" y="1819768"/>
-            <a:ext cx="12480997" cy="7197797"/>
+            <a:off x="205457" y="1801706"/>
+            <a:ext cx="12480997" cy="7215859"/>
           </a:xfrm>
           <a:prstGeom prst="rect">
             <a:avLst/>
@@ -8168,11 +8248,24 @@
               </a:defRPr>
             </a:pPr>
             <a:r>
-              <a:t>When a cell needs energy </a:t>
-            </a:r>
-          </a:p>
-          <a:p>
-            <a:pPr lvl="1" marL="836246" indent="-404446" defTabSz="1300480">
+              <a:t>The enzyme phosphorylase catalyzes hydrolysis of </a:t>
+            </a:r>
+            <a:br/>
+            <a:r>
+              <a:rPr sz="3600">
+                <a:latin typeface="Lucida Grande"/>
+                <a:ea typeface="Lucida Grande"/>
+                <a:cs typeface="Lucida Grande"/>
+                <a:sym typeface="Lucida Grande"/>
+              </a:rPr>
+              <a:t>α</a:t>
+            </a:r>
+            <a:r>
+              <a:t>-glycosidic linkages in starch</a:t>
+            </a:r>
+          </a:p>
+          <a:p>
+            <a:pPr lvl="1" marL="845608" indent="-413808" defTabSz="1300480">
               <a:spcBef>
                 <a:spcPts val="600"/>
               </a:spcBef>
@@ -8181,56 +8274,31 @@
               </a:buClr>
               <a:buSzPct val="100000"/>
               <a:buChar char="–"/>
-              <a:defRPr>
+              <a:defRPr sz="3400">
+                <a:latin typeface="Lucida Grande"/>
+                <a:ea typeface="Lucida Grande"/>
+                <a:cs typeface="Lucida Grande"/>
+                <a:sym typeface="Lucida Grande"/>
+              </a:defRPr>
+            </a:pPr>
+            <a:r>
+              <a:t>α</a:t>
+            </a:r>
+            <a:r>
+              <a:rPr sz="3600">
                 <a:latin typeface="Arial"/>
                 <a:ea typeface="Arial"/>
                 <a:cs typeface="Arial"/>
                 <a:sym typeface="Arial"/>
-              </a:defRPr>
-            </a:pPr>
-            <a:r>
-              <a:t>Reactions lead to the breakdown of the glucose </a:t>
-            </a:r>
-          </a:p>
-          <a:p>
-            <a:pPr lvl="1" marL="836246" indent="-404446" defTabSz="1300480">
-              <a:spcBef>
-                <a:spcPts val="600"/>
-              </a:spcBef>
-              <a:buClr>
-                <a:srgbClr val="9D002D"/>
-              </a:buClr>
-              <a:buSzPct val="100000"/>
-              <a:buChar char="–"/>
-              <a:defRPr>
-                <a:latin typeface="Arial"/>
-                <a:ea typeface="Arial"/>
-                <a:cs typeface="Arial"/>
-                <a:sym typeface="Arial"/>
-              </a:defRPr>
-            </a:pPr>
-            <a:r>
-              <a:t>They also capture released energy through synthesis of the nucleotide adenosine triphosphate (ATP)</a:t>
-            </a:r>
-          </a:p>
-          <a:p>
-            <a:pPr marL="375557" indent="-375557" defTabSz="1300480">
-              <a:spcBef>
-                <a:spcPts val="700"/>
-              </a:spcBef>
-              <a:buClr>
-                <a:srgbClr val="9D002D"/>
-              </a:buClr>
-              <a:buSzPct val="100000"/>
-              <a:buFont typeface="Wingdings"/>
-              <a:buChar char="▪"/>
-              <a:defRPr sz="900">
-                <a:latin typeface="Arial"/>
-                <a:ea typeface="Arial"/>
-                <a:cs typeface="Arial"/>
-                <a:sym typeface="Arial"/>
-              </a:defRPr>
-            </a:pPr>
+              </a:rPr>
+              <a:t>-glycosidic linkages in glycogen and starch, respectively</a:t>
+            </a:r>
+            <a:endParaRPr sz="3600">
+              <a:latin typeface="Arial"/>
+              <a:ea typeface="Arial"/>
+              <a:cs typeface="Arial"/>
+              <a:sym typeface="Arial"/>
+            </a:endParaRPr>
           </a:p>
           <a:p>
             <a:pPr marL="396421" indent="-396421" defTabSz="1300480">
@@ -8251,71 +8319,7 @@
               </a:defRPr>
             </a:pPr>
             <a:r>
-              <a:t>The chemical energy stored in the C–H and C–C bonds of carbohydrate is transferred to a new bond linking a third phosphate group to ADP to form ATP</a:t>
-            </a:r>
-            <a:endParaRPr sz="3400"/>
-          </a:p>
-          <a:p>
-            <a:pPr marL="375557" indent="-375557" defTabSz="1300480">
-              <a:spcBef>
-                <a:spcPts val="700"/>
-              </a:spcBef>
-              <a:buClr>
-                <a:srgbClr val="9D002D"/>
-              </a:buClr>
-              <a:buSzPct val="100000"/>
-              <a:buFont typeface="Wingdings"/>
-              <a:buChar char="▪"/>
-              <a:defRPr sz="900">
-                <a:latin typeface="Arial"/>
-                <a:ea typeface="Arial"/>
-                <a:cs typeface="Arial"/>
-                <a:sym typeface="Arial"/>
-              </a:defRPr>
-            </a:pPr>
-          </a:p>
-          <a:p>
-            <a:pPr marL="396421" indent="-396421" defTabSz="1300480">
-              <a:spcBef>
-                <a:spcPts val="700"/>
-              </a:spcBef>
-              <a:buClr>
-                <a:srgbClr val="9D002D"/>
-              </a:buClr>
-              <a:buSzPct val="100000"/>
-              <a:buFont typeface="Wingdings"/>
-              <a:buChar char="▪"/>
-              <a:defRPr sz="3800">
-                <a:latin typeface="Arial"/>
-                <a:ea typeface="Arial"/>
-                <a:cs typeface="Arial"/>
-                <a:sym typeface="Arial"/>
-              </a:defRPr>
-            </a:pPr>
-            <a:r>
-              <a:t>Carbohydrates store chemical energy </a:t>
-            </a:r>
-          </a:p>
-          <a:p>
-            <a:pPr marL="396421" indent="-396421" defTabSz="1300480">
-              <a:spcBef>
-                <a:spcPts val="700"/>
-              </a:spcBef>
-              <a:buClr>
-                <a:srgbClr val="9D002D"/>
-              </a:buClr>
-              <a:buSzPct val="100000"/>
-              <a:buFont typeface="Wingdings"/>
-              <a:buChar char="▪"/>
-              <a:defRPr sz="3800">
-                <a:latin typeface="Arial"/>
-                <a:ea typeface="Arial"/>
-                <a:cs typeface="Arial"/>
-                <a:sym typeface="Arial"/>
-              </a:defRPr>
-            </a:pPr>
-            <a:r>
-              <a:t>ATP makes chemical energy useful to the cell</a:t>
+              <a:t>The released glucose subunits can then be used in the production of ATP</a:t>
             </a:r>
           </a:p>
         </p:txBody>
@@ -8400,7 +8404,7 @@
         <p:spPr>
           <a:xfrm>
             <a:off x="6591300" y="1439333"/>
-            <a:ext cx="6121401" cy="7112001"/>
+            <a:ext cx="6121400" cy="7112001"/>
           </a:xfrm>
           <a:prstGeom prst="rect">
             <a:avLst/>
@@ -8736,8 +8740,8 @@
         </p:nvSpPr>
         <p:spPr>
           <a:xfrm>
-            <a:off x="8485792" y="1792816"/>
-            <a:ext cx="2095349" cy="647701"/>
+            <a:off x="8485793" y="1792816"/>
+            <a:ext cx="2095348" cy="647701"/>
           </a:xfrm>
           <a:prstGeom prst="rect">
             <a:avLst/>
